--- a/How to Web Api.pptx
+++ b/How to Web Api.pptx
@@ -357,7 +357,7 @@
           <a:p>
             <a:fld id="{ED291B17-9318-49DB-B28B-6E5994AE9581}" type="datetime1">
               <a:rPr lang="en-US" smtClean="0"/>
-              <a:t>1/26/2022</a:t>
+              <a:t>1/27/2022</a:t>
             </a:fld>
             <a:endParaRPr lang="en-US" dirty="0"/>
           </a:p>
@@ -560,7 +560,7 @@
           <a:p>
             <a:fld id="{2CED4963-E985-44C4-B8C4-FDD613B7C2F8}" type="datetime1">
               <a:rPr lang="en-US" smtClean="0"/>
-              <a:t>1/26/2022</a:t>
+              <a:t>1/27/2022</a:t>
             </a:fld>
             <a:endParaRPr lang="en-US" dirty="0"/>
           </a:p>
@@ -922,7 +922,7 @@
           <a:p>
             <a:fld id="{ED291B17-9318-49DB-B28B-6E5994AE9581}" type="datetime1">
               <a:rPr lang="en-US" smtClean="0"/>
-              <a:t>1/26/2022</a:t>
+              <a:t>1/27/2022</a:t>
             </a:fld>
             <a:endParaRPr lang="en-US" dirty="0"/>
           </a:p>
@@ -1120,7 +1120,7 @@
           <a:p>
             <a:fld id="{78DD82B9-B8EE-4375-B6FF-88FA6ABB15D9}" type="datetime1">
               <a:rPr lang="en-US" smtClean="0"/>
-              <a:t>1/26/2022</a:t>
+              <a:t>1/27/2022</a:t>
             </a:fld>
             <a:endParaRPr lang="en-US" dirty="0"/>
           </a:p>
@@ -1432,7 +1432,7 @@
           <a:p>
             <a:fld id="{B2497495-0637-405E-AE64-5CC7506D51F5}" type="datetime1">
               <a:rPr lang="en-US" smtClean="0"/>
-              <a:t>1/26/2022</a:t>
+              <a:t>1/27/2022</a:t>
             </a:fld>
             <a:endParaRPr lang="en-US" dirty="0"/>
           </a:p>
@@ -1685,7 +1685,7 @@
           <a:p>
             <a:fld id="{7BFFD690-9426-415D-8B65-26881E07B2D4}" type="datetime1">
               <a:rPr lang="en-US" smtClean="0"/>
-              <a:t>1/26/2022</a:t>
+              <a:t>1/27/2022</a:t>
             </a:fld>
             <a:endParaRPr lang="en-US" dirty="0"/>
           </a:p>
@@ -2107,7 +2107,7 @@
           <a:p>
             <a:fld id="{04C4989A-474C-40DE-95B9-011C28B71673}" type="datetime1">
               <a:rPr lang="en-US" smtClean="0"/>
-              <a:t>1/26/2022</a:t>
+              <a:t>1/27/2022</a:t>
             </a:fld>
             <a:endParaRPr lang="en-US" dirty="0"/>
           </a:p>
@@ -2230,7 +2230,7 @@
           <a:p>
             <a:fld id="{5DB4ED54-5B5E-4A04-93D3-5772E3CE3818}" type="datetime1">
               <a:rPr lang="en-US" smtClean="0"/>
-              <a:t>1/26/2022</a:t>
+              <a:t>1/27/2022</a:t>
             </a:fld>
             <a:endParaRPr lang="en-US" dirty="0"/>
           </a:p>
@@ -2325,7 +2325,7 @@
           <a:p>
             <a:fld id="{4EDE50D6-574B-40AF-946F-D52A04ADE379}" type="datetime1">
               <a:rPr lang="en-US" smtClean="0"/>
-              <a:t>1/26/2022</a:t>
+              <a:t>1/27/2022</a:t>
             </a:fld>
             <a:endParaRPr lang="en-US" dirty="0"/>
           </a:p>
@@ -2702,7 +2702,7 @@
           <a:p>
             <a:fld id="{D82884F1-FFEA-405F-9602-3DCA865EDA4E}" type="datetime1">
               <a:rPr lang="en-US" smtClean="0"/>
-              <a:t>1/26/2022</a:t>
+              <a:t>1/27/2022</a:t>
             </a:fld>
             <a:endParaRPr lang="en-US" dirty="0"/>
           </a:p>
@@ -2995,7 +2995,7 @@
           <a:p>
             <a:fld id="{7E18DB4A-8810-4A10-AD5C-D5E2C667F5B3}" type="datetime1">
               <a:rPr lang="en-US" smtClean="0"/>
-              <a:t>1/26/2022</a:t>
+              <a:t>1/27/2022</a:t>
             </a:fld>
             <a:endParaRPr lang="en-US" dirty="0"/>
           </a:p>
@@ -3210,7 +3210,7 @@
           <a:p>
             <a:fld id="{ED291B17-9318-49DB-B28B-6E5994AE9581}" type="datetime1">
               <a:rPr lang="en-US" smtClean="0"/>
-              <a:t>1/26/2022</a:t>
+              <a:t>1/27/2022</a:t>
             </a:fld>
             <a:endParaRPr lang="en-US" dirty="0"/>
           </a:p>
@@ -4377,6 +4377,66 @@
           </a:p>
         </p:txBody>
       </p:sp>
+      <p:pic>
+        <p:nvPicPr>
+          <p:cNvPr id="8" name="Picture 7">
+            <a:extLst>
+              <a:ext uri="{FF2B5EF4-FFF2-40B4-BE49-F238E27FC236}">
+                <a16:creationId xmlns:a16="http://schemas.microsoft.com/office/drawing/2014/main" id="{FBF98C4D-1C63-4987-920A-35EF59020452}"/>
+              </a:ext>
+            </a:extLst>
+          </p:cNvPr>
+          <p:cNvPicPr>
+            <a:picLocks noChangeAspect="1"/>
+          </p:cNvPicPr>
+          <p:nvPr/>
+        </p:nvPicPr>
+        <p:blipFill>
+          <a:blip r:embed="rId2"/>
+          <a:stretch>
+            <a:fillRect/>
+          </a:stretch>
+        </p:blipFill>
+        <p:spPr>
+          <a:xfrm>
+            <a:off x="1421645" y="4066120"/>
+            <a:ext cx="3520380" cy="2743826"/>
+          </a:xfrm>
+          <a:prstGeom prst="rect">
+            <a:avLst/>
+          </a:prstGeom>
+        </p:spPr>
+      </p:pic>
+      <p:pic>
+        <p:nvPicPr>
+          <p:cNvPr id="10" name="Picture 9">
+            <a:extLst>
+              <a:ext uri="{FF2B5EF4-FFF2-40B4-BE49-F238E27FC236}">
+                <a16:creationId xmlns:a16="http://schemas.microsoft.com/office/drawing/2014/main" id="{68AF591E-97B7-426E-945F-28F019FB6A57}"/>
+              </a:ext>
+            </a:extLst>
+          </p:cNvPr>
+          <p:cNvPicPr>
+            <a:picLocks noChangeAspect="1"/>
+          </p:cNvPicPr>
+          <p:nvPr/>
+        </p:nvPicPr>
+        <p:blipFill>
+          <a:blip r:embed="rId3"/>
+          <a:stretch>
+            <a:fillRect/>
+          </a:stretch>
+        </p:blipFill>
+        <p:spPr>
+          <a:xfrm>
+            <a:off x="7009380" y="4085294"/>
+            <a:ext cx="3915321" cy="2705478"/>
+          </a:xfrm>
+          <a:prstGeom prst="rect">
+            <a:avLst/>
+          </a:prstGeom>
+        </p:spPr>
+      </p:pic>
     </p:spTree>
     <p:extLst>
       <p:ext uri="{BB962C8B-B14F-4D97-AF65-F5344CB8AC3E}">
@@ -5202,6 +5262,14 @@
 <file path=ppt/slides/slide4.xml><?xml version="1.0" encoding="utf-8"?>
 <p:sld xmlns:a="http://schemas.openxmlformats.org/drawingml/2006/main" xmlns:r="http://schemas.openxmlformats.org/officeDocument/2006/relationships" xmlns:p="http://schemas.openxmlformats.org/presentationml/2006/main">
   <p:cSld>
+    <p:bg>
+      <p:bgPr>
+        <a:solidFill>
+          <a:schemeClr val="bg1"/>
+        </a:solidFill>
+        <a:effectLst/>
+      </p:bgPr>
+    </p:bg>
     <p:spTree>
       <p:nvGrpSpPr>
         <p:cNvPr id="1" name=""/>
@@ -5218,6 +5286,285 @@
       </p:grpSpPr>
       <p:sp>
         <p:nvSpPr>
+          <p:cNvPr id="10" name="Rectangle 9">
+            <a:extLst>
+              <a:ext uri="{FF2B5EF4-FFF2-40B4-BE49-F238E27FC236}">
+                <a16:creationId xmlns:a16="http://schemas.microsoft.com/office/drawing/2014/main" id="{E9751CB9-7B25-4EB8-9A6F-82F822549F12}"/>
+              </a:ext>
+              <a:ext uri="{C183D7F6-B498-43B3-948B-1728B52AA6E4}">
+                <adec:decorative xmlns:adec="http://schemas.microsoft.com/office/drawing/2017/decorative" val="1"/>
+              </a:ext>
+            </a:extLst>
+          </p:cNvPr>
+          <p:cNvSpPr>
+            <a:spLocks noGrp="1" noRot="1" noChangeAspect="1" noMove="1" noResize="1" noEditPoints="1" noAdjustHandles="1" noChangeArrowheads="1" noChangeShapeType="1" noTextEdit="1"/>
+          </p:cNvSpPr>
+          <p:nvPr>
+            <p:extLst>
+              <p:ext uri="{386F3935-93C4-4BCD-93E2-E3B085C9AB24}">
+                <p16:designElem xmlns:p16="http://schemas.microsoft.com/office/powerpoint/2015/main" val="1"/>
+              </p:ext>
+            </p:extLst>
+          </p:nvPr>
+        </p:nvSpPr>
+        <p:spPr>
+          <a:xfrm>
+            <a:off x="0" y="0"/>
+            <a:ext cx="12192000" cy="6858000"/>
+          </a:xfrm>
+          <a:prstGeom prst="rect">
+            <a:avLst/>
+          </a:prstGeom>
+          <a:solidFill>
+            <a:srgbClr val="FFFFFF"/>
+          </a:solidFill>
+          <a:ln>
+            <a:noFill/>
+          </a:ln>
+        </p:spPr>
+        <p:style>
+          <a:lnRef idx="2">
+            <a:schemeClr val="accent1">
+              <a:shade val="50000"/>
+            </a:schemeClr>
+          </a:lnRef>
+          <a:fillRef idx="1">
+            <a:schemeClr val="accent1"/>
+          </a:fillRef>
+          <a:effectRef idx="0">
+            <a:schemeClr val="accent1"/>
+          </a:effectRef>
+          <a:fontRef idx="minor">
+            <a:schemeClr val="lt1"/>
+          </a:fontRef>
+        </p:style>
+        <p:txBody>
+          <a:bodyPr rtlCol="0" anchor="ctr"/>
+          <a:lstStyle/>
+          <a:p>
+            <a:pPr algn="ctr"/>
+            <a:endParaRPr lang="en-US"/>
+          </a:p>
+        </p:txBody>
+      </p:sp>
+      <p:sp>
+        <p:nvSpPr>
+          <p:cNvPr id="12" name="Rectangle 11">
+            <a:extLst>
+              <a:ext uri="{FF2B5EF4-FFF2-40B4-BE49-F238E27FC236}">
+                <a16:creationId xmlns:a16="http://schemas.microsoft.com/office/drawing/2014/main" id="{E1317383-CF3B-4B02-9512-BECBEF6362A4}"/>
+              </a:ext>
+              <a:ext uri="{C183D7F6-B498-43B3-948B-1728B52AA6E4}">
+                <adec:decorative xmlns:adec="http://schemas.microsoft.com/office/drawing/2017/decorative" val="1"/>
+              </a:ext>
+            </a:extLst>
+          </p:cNvPr>
+          <p:cNvSpPr>
+            <a:spLocks noGrp="1" noRot="1" noChangeAspect="1" noMove="1" noResize="1" noEditPoints="1" noAdjustHandles="1" noChangeArrowheads="1" noChangeShapeType="1" noTextEdit="1"/>
+          </p:cNvSpPr>
+          <p:nvPr>
+            <p:extLst>
+              <p:ext uri="{386F3935-93C4-4BCD-93E2-E3B085C9AB24}">
+                <p16:designElem xmlns:p16="http://schemas.microsoft.com/office/powerpoint/2015/main" val="1"/>
+              </p:ext>
+            </p:extLst>
+          </p:nvPr>
+        </p:nvSpPr>
+        <p:spPr>
+          <a:xfrm>
+            <a:off x="446534" y="457200"/>
+            <a:ext cx="3703320" cy="94997"/>
+          </a:xfrm>
+          <a:prstGeom prst="rect">
+            <a:avLst/>
+          </a:prstGeom>
+          <a:solidFill>
+            <a:srgbClr val="465359"/>
+          </a:solidFill>
+          <a:ln>
+            <a:noFill/>
+          </a:ln>
+          <a:effectLst/>
+        </p:spPr>
+        <p:style>
+          <a:lnRef idx="1">
+            <a:schemeClr val="accent1"/>
+          </a:lnRef>
+          <a:fillRef idx="3">
+            <a:schemeClr val="accent1"/>
+          </a:fillRef>
+          <a:effectRef idx="2">
+            <a:schemeClr val="accent1"/>
+          </a:effectRef>
+          <a:fontRef idx="minor">
+            <a:schemeClr val="lt1"/>
+          </a:fontRef>
+        </p:style>
+      </p:sp>
+      <p:sp>
+        <p:nvSpPr>
+          <p:cNvPr id="14" name="Rectangle 13">
+            <a:extLst>
+              <a:ext uri="{FF2B5EF4-FFF2-40B4-BE49-F238E27FC236}">
+                <a16:creationId xmlns:a16="http://schemas.microsoft.com/office/drawing/2014/main" id="{B1D4C7A0-6DF2-4F2D-A45D-F111582974C7}"/>
+              </a:ext>
+              <a:ext uri="{C183D7F6-B498-43B3-948B-1728B52AA6E4}">
+                <adec:decorative xmlns:adec="http://schemas.microsoft.com/office/drawing/2017/decorative" val="1"/>
+              </a:ext>
+            </a:extLst>
+          </p:cNvPr>
+          <p:cNvSpPr>
+            <a:spLocks noGrp="1" noRot="1" noChangeAspect="1" noMove="1" noResize="1" noEditPoints="1" noAdjustHandles="1" noChangeArrowheads="1" noChangeShapeType="1" noTextEdit="1"/>
+          </p:cNvSpPr>
+          <p:nvPr>
+            <p:extLst>
+              <p:ext uri="{386F3935-93C4-4BCD-93E2-E3B085C9AB24}">
+                <p16:designElem xmlns:p16="http://schemas.microsoft.com/office/powerpoint/2015/main" val="1"/>
+              </p:ext>
+            </p:extLst>
+          </p:nvPr>
+        </p:nvSpPr>
+        <p:spPr>
+          <a:xfrm>
+            <a:off x="4241830" y="457200"/>
+            <a:ext cx="3703320" cy="91440"/>
+          </a:xfrm>
+          <a:prstGeom prst="rect">
+            <a:avLst/>
+          </a:prstGeom>
+          <a:solidFill>
+            <a:schemeClr val="accent1"/>
+          </a:solidFill>
+          <a:ln>
+            <a:noFill/>
+          </a:ln>
+          <a:effectLst/>
+        </p:spPr>
+        <p:style>
+          <a:lnRef idx="1">
+            <a:schemeClr val="accent1"/>
+          </a:lnRef>
+          <a:fillRef idx="3">
+            <a:schemeClr val="accent1"/>
+          </a:fillRef>
+          <a:effectRef idx="2">
+            <a:schemeClr val="accent1"/>
+          </a:effectRef>
+          <a:fontRef idx="minor">
+            <a:schemeClr val="lt1"/>
+          </a:fontRef>
+        </p:style>
+      </p:sp>
+      <p:sp>
+        <p:nvSpPr>
+          <p:cNvPr id="16" name="Rectangle 15">
+            <a:extLst>
+              <a:ext uri="{FF2B5EF4-FFF2-40B4-BE49-F238E27FC236}">
+                <a16:creationId xmlns:a16="http://schemas.microsoft.com/office/drawing/2014/main" id="{DBF3943D-BCB6-4B31-809D-A005686483B4}"/>
+              </a:ext>
+              <a:ext uri="{C183D7F6-B498-43B3-948B-1728B52AA6E4}">
+                <adec:decorative xmlns:adec="http://schemas.microsoft.com/office/drawing/2017/decorative" val="1"/>
+              </a:ext>
+            </a:extLst>
+          </p:cNvPr>
+          <p:cNvSpPr>
+            <a:spLocks noGrp="1" noRot="1" noChangeAspect="1" noMove="1" noResize="1" noEditPoints="1" noAdjustHandles="1" noChangeArrowheads="1" noChangeShapeType="1" noTextEdit="1"/>
+          </p:cNvSpPr>
+          <p:nvPr>
+            <p:extLst>
+              <p:ext uri="{386F3935-93C4-4BCD-93E2-E3B085C9AB24}">
+                <p16:designElem xmlns:p16="http://schemas.microsoft.com/office/powerpoint/2015/main" val="1"/>
+              </p:ext>
+            </p:extLst>
+          </p:nvPr>
+        </p:nvSpPr>
+        <p:spPr>
+          <a:xfrm>
+            <a:off x="8042147" y="453643"/>
+            <a:ext cx="3703320" cy="98554"/>
+          </a:xfrm>
+          <a:prstGeom prst="rect">
+            <a:avLst/>
+          </a:prstGeom>
+          <a:solidFill>
+            <a:srgbClr val="969FA7"/>
+          </a:solidFill>
+          <a:ln>
+            <a:noFill/>
+          </a:ln>
+          <a:effectLst/>
+        </p:spPr>
+        <p:style>
+          <a:lnRef idx="1">
+            <a:schemeClr val="accent1"/>
+          </a:lnRef>
+          <a:fillRef idx="3">
+            <a:schemeClr val="accent1"/>
+          </a:fillRef>
+          <a:effectRef idx="2">
+            <a:schemeClr val="accent1"/>
+          </a:effectRef>
+          <a:fontRef idx="minor">
+            <a:schemeClr val="lt1"/>
+          </a:fontRef>
+        </p:style>
+      </p:sp>
+      <p:sp>
+        <p:nvSpPr>
+          <p:cNvPr id="18" name="Rectangle 17">
+            <a:extLst>
+              <a:ext uri="{FF2B5EF4-FFF2-40B4-BE49-F238E27FC236}">
+                <a16:creationId xmlns:a16="http://schemas.microsoft.com/office/drawing/2014/main" id="{39373A6F-2E1F-4613-8E1D-D68057D29F31}"/>
+              </a:ext>
+              <a:ext uri="{C183D7F6-B498-43B3-948B-1728B52AA6E4}">
+                <adec:decorative xmlns:adec="http://schemas.microsoft.com/office/drawing/2017/decorative" val="1"/>
+              </a:ext>
+            </a:extLst>
+          </p:cNvPr>
+          <p:cNvSpPr>
+            <a:spLocks noGrp="1" noRot="1" noChangeAspect="1" noMove="1" noResize="1" noEditPoints="1" noAdjustHandles="1" noChangeArrowheads="1" noChangeShapeType="1" noTextEdit="1"/>
+          </p:cNvSpPr>
+          <p:nvPr>
+            <p:extLst>
+              <p:ext uri="{386F3935-93C4-4BCD-93E2-E3B085C9AB24}">
+                <p16:designElem xmlns:p16="http://schemas.microsoft.com/office/powerpoint/2015/main" val="1"/>
+              </p:ext>
+            </p:extLst>
+          </p:nvPr>
+        </p:nvSpPr>
+        <p:spPr>
+          <a:xfrm>
+            <a:off x="442377" y="601200"/>
+            <a:ext cx="3707477" cy="5624979"/>
+          </a:xfrm>
+          <a:prstGeom prst="rect">
+            <a:avLst/>
+          </a:prstGeom>
+          <a:solidFill>
+            <a:srgbClr val="465359"/>
+          </a:solidFill>
+          <a:ln>
+            <a:noFill/>
+          </a:ln>
+          <a:effectLst/>
+        </p:spPr>
+        <p:style>
+          <a:lnRef idx="1">
+            <a:schemeClr val="accent1"/>
+          </a:lnRef>
+          <a:fillRef idx="3">
+            <a:schemeClr val="accent1"/>
+          </a:fillRef>
+          <a:effectRef idx="2">
+            <a:schemeClr val="accent1"/>
+          </a:effectRef>
+          <a:fontRef idx="minor">
+            <a:schemeClr val="lt1"/>
+          </a:fontRef>
+        </p:style>
+      </p:sp>
+      <p:sp>
+        <p:nvSpPr>
           <p:cNvPr id="2" name="Title 1">
             <a:extLst>
               <a:ext uri="{FF2B5EF4-FFF2-40B4-BE49-F238E27FC236}">
@@ -5232,13 +5579,24 @@
             <p:ph type="title"/>
           </p:nvPr>
         </p:nvSpPr>
-        <p:spPr/>
-        <p:txBody>
-          <a:bodyPr/>
+        <p:spPr>
+          <a:xfrm>
+            <a:off x="601255" y="702155"/>
+            <a:ext cx="3409783" cy="1300365"/>
+          </a:xfrm>
+        </p:spPr>
+        <p:txBody>
+          <a:bodyPr>
+            <a:normAutofit/>
+          </a:bodyPr>
           <a:lstStyle/>
           <a:p>
             <a:r>
-              <a:rPr lang="en-US" dirty="0"/>
+              <a:rPr lang="en-US">
+                <a:solidFill>
+                  <a:srgbClr val="FFFFFF"/>
+                </a:solidFill>
+              </a:rPr>
               <a:t>Controller</a:t>
             </a:r>
           </a:p>
@@ -5260,63 +5618,154 @@
             <p:ph idx="1"/>
           </p:nvPr>
         </p:nvSpPr>
-        <p:spPr/>
-        <p:txBody>
-          <a:bodyPr/>
+        <p:spPr>
+          <a:xfrm>
+            <a:off x="601255" y="2177142"/>
+            <a:ext cx="3409782" cy="3823607"/>
+          </a:xfrm>
+        </p:spPr>
+        <p:txBody>
+          <a:bodyPr>
+            <a:normAutofit/>
+          </a:bodyPr>
           <a:lstStyle/>
           <a:p>
-            <a:r>
-              <a:rPr lang="en-US" dirty="0"/>
+            <a:pPr>
+              <a:lnSpc>
+                <a:spcPct val="90000"/>
+              </a:lnSpc>
+            </a:pPr>
+            <a:r>
+              <a:rPr lang="en-US">
+                <a:solidFill>
+                  <a:srgbClr val="FFFFFF"/>
+                </a:solidFill>
+              </a:rPr>
               <a:t>Create HTTP methods</a:t>
             </a:r>
           </a:p>
           <a:p>
-            <a:pPr lvl="1"/>
-            <a:r>
-              <a:rPr lang="en-US" dirty="0"/>
+            <a:pPr lvl="1">
+              <a:lnSpc>
+                <a:spcPct val="90000"/>
+              </a:lnSpc>
+            </a:pPr>
+            <a:r>
+              <a:rPr lang="en-US">
+                <a:solidFill>
+                  <a:srgbClr val="FFFFFF"/>
+                </a:solidFill>
+              </a:rPr>
               <a:t>GET – Fetches data and returns it to the client</a:t>
             </a:r>
           </a:p>
           <a:p>
-            <a:pPr lvl="1"/>
-            <a:r>
-              <a:rPr lang="en-US" dirty="0"/>
-              <a:t>POST – Client sends data to be saved by the </a:t>
-            </a:r>
-            <a:r>
-              <a:rPr lang="en-US" dirty="0" err="1"/>
-              <a:t>api</a:t>
-            </a:r>
-            <a:endParaRPr lang="en-US" dirty="0"/>
-          </a:p>
-          <a:p>
-            <a:pPr lvl="1"/>
-            <a:r>
-              <a:rPr lang="en-US" dirty="0"/>
+            <a:pPr lvl="1">
+              <a:lnSpc>
+                <a:spcPct val="90000"/>
+              </a:lnSpc>
+            </a:pPr>
+            <a:r>
+              <a:rPr lang="en-US">
+                <a:solidFill>
+                  <a:srgbClr val="FFFFFF"/>
+                </a:solidFill>
+              </a:rPr>
+              <a:t>POST – Client sends data to be saved by the api</a:t>
+            </a:r>
+          </a:p>
+          <a:p>
+            <a:pPr lvl="1">
+              <a:lnSpc>
+                <a:spcPct val="90000"/>
+              </a:lnSpc>
+            </a:pPr>
+            <a:r>
+              <a:rPr lang="en-US">
+                <a:solidFill>
+                  <a:srgbClr val="FFFFFF"/>
+                </a:solidFill>
+              </a:rPr>
               <a:t>PUT – Client sends data to update existing data</a:t>
             </a:r>
           </a:p>
           <a:p>
-            <a:pPr lvl="1"/>
-            <a:r>
-              <a:rPr lang="en-US" dirty="0"/>
+            <a:pPr lvl="1">
+              <a:lnSpc>
+                <a:spcPct val="90000"/>
+              </a:lnSpc>
+            </a:pPr>
+            <a:r>
+              <a:rPr lang="en-US">
+                <a:solidFill>
+                  <a:srgbClr val="FFFFFF"/>
+                </a:solidFill>
+              </a:rPr>
               <a:t>DELETE – Client sends a request to delete data</a:t>
             </a:r>
           </a:p>
           <a:p>
-            <a:r>
-              <a:rPr lang="en-US" dirty="0"/>
+            <a:pPr>
+              <a:lnSpc>
+                <a:spcPct val="90000"/>
+              </a:lnSpc>
+            </a:pPr>
+            <a:r>
+              <a:rPr lang="en-US">
+                <a:solidFill>
+                  <a:srgbClr val="FFFFFF"/>
+                </a:solidFill>
+              </a:rPr>
               <a:t>Calls service to get, save, or delete some data</a:t>
             </a:r>
           </a:p>
           <a:p>
-            <a:r>
-              <a:rPr lang="en-US" dirty="0"/>
+            <a:pPr>
+              <a:lnSpc>
+                <a:spcPct val="90000"/>
+              </a:lnSpc>
+            </a:pPr>
+            <a:r>
+              <a:rPr lang="en-US">
+                <a:solidFill>
+                  <a:srgbClr val="FFFFFF"/>
+                </a:solidFill>
+              </a:rPr>
               <a:t>Returns the appropriate response and status code</a:t>
             </a:r>
           </a:p>
         </p:txBody>
       </p:sp>
+      <p:pic>
+        <p:nvPicPr>
+          <p:cNvPr id="5" name="Picture 4">
+            <a:extLst>
+              <a:ext uri="{FF2B5EF4-FFF2-40B4-BE49-F238E27FC236}">
+                <a16:creationId xmlns:a16="http://schemas.microsoft.com/office/drawing/2014/main" id="{72D51D14-5DE5-4012-931F-FCB80BA48D91}"/>
+              </a:ext>
+            </a:extLst>
+          </p:cNvPr>
+          <p:cNvPicPr>
+            <a:picLocks noChangeAspect="1"/>
+          </p:cNvPicPr>
+          <p:nvPr/>
+        </p:nvPicPr>
+        <p:blipFill>
+          <a:blip r:embed="rId2"/>
+          <a:stretch>
+            <a:fillRect/>
+          </a:stretch>
+        </p:blipFill>
+        <p:spPr>
+          <a:xfrm>
+            <a:off x="4873405" y="936141"/>
+            <a:ext cx="6269155" cy="4968305"/>
+          </a:xfrm>
+          <a:prstGeom prst="rect">
+            <a:avLst/>
+          </a:prstGeom>
+        </p:spPr>
+      </p:pic>
     </p:spTree>
     <p:extLst>
       <p:ext uri="{BB962C8B-B14F-4D97-AF65-F5344CB8AC3E}">
@@ -5325,7 +5774,7 @@
     </p:extLst>
   </p:cSld>
   <p:clrMapOvr>
-    <a:masterClrMapping/>
+    <a:overrideClrMapping bg1="dk1" tx1="lt1" bg2="dk2" tx2="lt2" accent1="accent1" accent2="accent2" accent3="accent3" accent4="accent4" accent5="accent5" accent6="accent6" hlink="hlink" folHlink="folHlink"/>
   </p:clrMapOvr>
 </p:sld>
 </file>
@@ -5440,6 +5889,14 @@
 <file path=ppt/slides/slide6.xml><?xml version="1.0" encoding="utf-8"?>
 <p:sld xmlns:a="http://schemas.openxmlformats.org/drawingml/2006/main" xmlns:r="http://schemas.openxmlformats.org/officeDocument/2006/relationships" xmlns:p="http://schemas.openxmlformats.org/presentationml/2006/main">
   <p:cSld>
+    <p:bg>
+      <p:bgPr>
+        <a:solidFill>
+          <a:schemeClr val="bg1"/>
+        </a:solidFill>
+        <a:effectLst/>
+      </p:bgPr>
+    </p:bg>
     <p:spTree>
       <p:nvGrpSpPr>
         <p:cNvPr id="1" name=""/>
@@ -5456,6 +5913,285 @@
       </p:grpSpPr>
       <p:sp>
         <p:nvSpPr>
+          <p:cNvPr id="10" name="Rectangle 9">
+            <a:extLst>
+              <a:ext uri="{FF2B5EF4-FFF2-40B4-BE49-F238E27FC236}">
+                <a16:creationId xmlns:a16="http://schemas.microsoft.com/office/drawing/2014/main" id="{E9751CB9-7B25-4EB8-9A6F-82F822549F12}"/>
+              </a:ext>
+              <a:ext uri="{C183D7F6-B498-43B3-948B-1728B52AA6E4}">
+                <adec:decorative xmlns:adec="http://schemas.microsoft.com/office/drawing/2017/decorative" val="1"/>
+              </a:ext>
+            </a:extLst>
+          </p:cNvPr>
+          <p:cNvSpPr>
+            <a:spLocks noGrp="1" noRot="1" noChangeAspect="1" noMove="1" noResize="1" noEditPoints="1" noAdjustHandles="1" noChangeArrowheads="1" noChangeShapeType="1" noTextEdit="1"/>
+          </p:cNvSpPr>
+          <p:nvPr>
+            <p:extLst>
+              <p:ext uri="{386F3935-93C4-4BCD-93E2-E3B085C9AB24}">
+                <p16:designElem xmlns:p16="http://schemas.microsoft.com/office/powerpoint/2015/main" val="1"/>
+              </p:ext>
+            </p:extLst>
+          </p:nvPr>
+        </p:nvSpPr>
+        <p:spPr>
+          <a:xfrm>
+            <a:off x="0" y="0"/>
+            <a:ext cx="12192000" cy="6858000"/>
+          </a:xfrm>
+          <a:prstGeom prst="rect">
+            <a:avLst/>
+          </a:prstGeom>
+          <a:solidFill>
+            <a:srgbClr val="FFFFFF"/>
+          </a:solidFill>
+          <a:ln>
+            <a:noFill/>
+          </a:ln>
+        </p:spPr>
+        <p:style>
+          <a:lnRef idx="2">
+            <a:schemeClr val="accent1">
+              <a:shade val="50000"/>
+            </a:schemeClr>
+          </a:lnRef>
+          <a:fillRef idx="1">
+            <a:schemeClr val="accent1"/>
+          </a:fillRef>
+          <a:effectRef idx="0">
+            <a:schemeClr val="accent1"/>
+          </a:effectRef>
+          <a:fontRef idx="minor">
+            <a:schemeClr val="lt1"/>
+          </a:fontRef>
+        </p:style>
+        <p:txBody>
+          <a:bodyPr rtlCol="0" anchor="ctr"/>
+          <a:lstStyle/>
+          <a:p>
+            <a:pPr algn="ctr"/>
+            <a:endParaRPr lang="en-US"/>
+          </a:p>
+        </p:txBody>
+      </p:sp>
+      <p:sp>
+        <p:nvSpPr>
+          <p:cNvPr id="12" name="Rectangle 11">
+            <a:extLst>
+              <a:ext uri="{FF2B5EF4-FFF2-40B4-BE49-F238E27FC236}">
+                <a16:creationId xmlns:a16="http://schemas.microsoft.com/office/drawing/2014/main" id="{E1317383-CF3B-4B02-9512-BECBEF6362A4}"/>
+              </a:ext>
+              <a:ext uri="{C183D7F6-B498-43B3-948B-1728B52AA6E4}">
+                <adec:decorative xmlns:adec="http://schemas.microsoft.com/office/drawing/2017/decorative" val="1"/>
+              </a:ext>
+            </a:extLst>
+          </p:cNvPr>
+          <p:cNvSpPr>
+            <a:spLocks noGrp="1" noRot="1" noChangeAspect="1" noMove="1" noResize="1" noEditPoints="1" noAdjustHandles="1" noChangeArrowheads="1" noChangeShapeType="1" noTextEdit="1"/>
+          </p:cNvSpPr>
+          <p:nvPr>
+            <p:extLst>
+              <p:ext uri="{386F3935-93C4-4BCD-93E2-E3B085C9AB24}">
+                <p16:designElem xmlns:p16="http://schemas.microsoft.com/office/powerpoint/2015/main" val="1"/>
+              </p:ext>
+            </p:extLst>
+          </p:nvPr>
+        </p:nvSpPr>
+        <p:spPr>
+          <a:xfrm>
+            <a:off x="446534" y="457200"/>
+            <a:ext cx="3703320" cy="94997"/>
+          </a:xfrm>
+          <a:prstGeom prst="rect">
+            <a:avLst/>
+          </a:prstGeom>
+          <a:solidFill>
+            <a:srgbClr val="465359"/>
+          </a:solidFill>
+          <a:ln>
+            <a:noFill/>
+          </a:ln>
+          <a:effectLst/>
+        </p:spPr>
+        <p:style>
+          <a:lnRef idx="1">
+            <a:schemeClr val="accent1"/>
+          </a:lnRef>
+          <a:fillRef idx="3">
+            <a:schemeClr val="accent1"/>
+          </a:fillRef>
+          <a:effectRef idx="2">
+            <a:schemeClr val="accent1"/>
+          </a:effectRef>
+          <a:fontRef idx="minor">
+            <a:schemeClr val="lt1"/>
+          </a:fontRef>
+        </p:style>
+      </p:sp>
+      <p:sp>
+        <p:nvSpPr>
+          <p:cNvPr id="14" name="Rectangle 13">
+            <a:extLst>
+              <a:ext uri="{FF2B5EF4-FFF2-40B4-BE49-F238E27FC236}">
+                <a16:creationId xmlns:a16="http://schemas.microsoft.com/office/drawing/2014/main" id="{B1D4C7A0-6DF2-4F2D-A45D-F111582974C7}"/>
+              </a:ext>
+              <a:ext uri="{C183D7F6-B498-43B3-948B-1728B52AA6E4}">
+                <adec:decorative xmlns:adec="http://schemas.microsoft.com/office/drawing/2017/decorative" val="1"/>
+              </a:ext>
+            </a:extLst>
+          </p:cNvPr>
+          <p:cNvSpPr>
+            <a:spLocks noGrp="1" noRot="1" noChangeAspect="1" noMove="1" noResize="1" noEditPoints="1" noAdjustHandles="1" noChangeArrowheads="1" noChangeShapeType="1" noTextEdit="1"/>
+          </p:cNvSpPr>
+          <p:nvPr>
+            <p:extLst>
+              <p:ext uri="{386F3935-93C4-4BCD-93E2-E3B085C9AB24}">
+                <p16:designElem xmlns:p16="http://schemas.microsoft.com/office/powerpoint/2015/main" val="1"/>
+              </p:ext>
+            </p:extLst>
+          </p:nvPr>
+        </p:nvSpPr>
+        <p:spPr>
+          <a:xfrm>
+            <a:off x="4241830" y="457200"/>
+            <a:ext cx="3703320" cy="91440"/>
+          </a:xfrm>
+          <a:prstGeom prst="rect">
+            <a:avLst/>
+          </a:prstGeom>
+          <a:solidFill>
+            <a:schemeClr val="accent1"/>
+          </a:solidFill>
+          <a:ln>
+            <a:noFill/>
+          </a:ln>
+          <a:effectLst/>
+        </p:spPr>
+        <p:style>
+          <a:lnRef idx="1">
+            <a:schemeClr val="accent1"/>
+          </a:lnRef>
+          <a:fillRef idx="3">
+            <a:schemeClr val="accent1"/>
+          </a:fillRef>
+          <a:effectRef idx="2">
+            <a:schemeClr val="accent1"/>
+          </a:effectRef>
+          <a:fontRef idx="minor">
+            <a:schemeClr val="lt1"/>
+          </a:fontRef>
+        </p:style>
+      </p:sp>
+      <p:sp>
+        <p:nvSpPr>
+          <p:cNvPr id="16" name="Rectangle 15">
+            <a:extLst>
+              <a:ext uri="{FF2B5EF4-FFF2-40B4-BE49-F238E27FC236}">
+                <a16:creationId xmlns:a16="http://schemas.microsoft.com/office/drawing/2014/main" id="{DBF3943D-BCB6-4B31-809D-A005686483B4}"/>
+              </a:ext>
+              <a:ext uri="{C183D7F6-B498-43B3-948B-1728B52AA6E4}">
+                <adec:decorative xmlns:adec="http://schemas.microsoft.com/office/drawing/2017/decorative" val="1"/>
+              </a:ext>
+            </a:extLst>
+          </p:cNvPr>
+          <p:cNvSpPr>
+            <a:spLocks noGrp="1" noRot="1" noChangeAspect="1" noMove="1" noResize="1" noEditPoints="1" noAdjustHandles="1" noChangeArrowheads="1" noChangeShapeType="1" noTextEdit="1"/>
+          </p:cNvSpPr>
+          <p:nvPr>
+            <p:extLst>
+              <p:ext uri="{386F3935-93C4-4BCD-93E2-E3B085C9AB24}">
+                <p16:designElem xmlns:p16="http://schemas.microsoft.com/office/powerpoint/2015/main" val="1"/>
+              </p:ext>
+            </p:extLst>
+          </p:nvPr>
+        </p:nvSpPr>
+        <p:spPr>
+          <a:xfrm>
+            <a:off x="8042147" y="453643"/>
+            <a:ext cx="3703320" cy="98554"/>
+          </a:xfrm>
+          <a:prstGeom prst="rect">
+            <a:avLst/>
+          </a:prstGeom>
+          <a:solidFill>
+            <a:srgbClr val="969FA7"/>
+          </a:solidFill>
+          <a:ln>
+            <a:noFill/>
+          </a:ln>
+          <a:effectLst/>
+        </p:spPr>
+        <p:style>
+          <a:lnRef idx="1">
+            <a:schemeClr val="accent1"/>
+          </a:lnRef>
+          <a:fillRef idx="3">
+            <a:schemeClr val="accent1"/>
+          </a:fillRef>
+          <a:effectRef idx="2">
+            <a:schemeClr val="accent1"/>
+          </a:effectRef>
+          <a:fontRef idx="minor">
+            <a:schemeClr val="lt1"/>
+          </a:fontRef>
+        </p:style>
+      </p:sp>
+      <p:sp>
+        <p:nvSpPr>
+          <p:cNvPr id="18" name="Rectangle 17">
+            <a:extLst>
+              <a:ext uri="{FF2B5EF4-FFF2-40B4-BE49-F238E27FC236}">
+                <a16:creationId xmlns:a16="http://schemas.microsoft.com/office/drawing/2014/main" id="{39373A6F-2E1F-4613-8E1D-D68057D29F31}"/>
+              </a:ext>
+              <a:ext uri="{C183D7F6-B498-43B3-948B-1728B52AA6E4}">
+                <adec:decorative xmlns:adec="http://schemas.microsoft.com/office/drawing/2017/decorative" val="1"/>
+              </a:ext>
+            </a:extLst>
+          </p:cNvPr>
+          <p:cNvSpPr>
+            <a:spLocks noGrp="1" noRot="1" noChangeAspect="1" noMove="1" noResize="1" noEditPoints="1" noAdjustHandles="1" noChangeArrowheads="1" noChangeShapeType="1" noTextEdit="1"/>
+          </p:cNvSpPr>
+          <p:nvPr>
+            <p:extLst>
+              <p:ext uri="{386F3935-93C4-4BCD-93E2-E3B085C9AB24}">
+                <p16:designElem xmlns:p16="http://schemas.microsoft.com/office/powerpoint/2015/main" val="1"/>
+              </p:ext>
+            </p:extLst>
+          </p:nvPr>
+        </p:nvSpPr>
+        <p:spPr>
+          <a:xfrm>
+            <a:off x="442377" y="601200"/>
+            <a:ext cx="3707477" cy="5624979"/>
+          </a:xfrm>
+          <a:prstGeom prst="rect">
+            <a:avLst/>
+          </a:prstGeom>
+          <a:solidFill>
+            <a:srgbClr val="465359"/>
+          </a:solidFill>
+          <a:ln>
+            <a:noFill/>
+          </a:ln>
+          <a:effectLst/>
+        </p:spPr>
+        <p:style>
+          <a:lnRef idx="1">
+            <a:schemeClr val="accent1"/>
+          </a:lnRef>
+          <a:fillRef idx="3">
+            <a:schemeClr val="accent1"/>
+          </a:fillRef>
+          <a:effectRef idx="2">
+            <a:schemeClr val="accent1"/>
+          </a:effectRef>
+          <a:fontRef idx="minor">
+            <a:schemeClr val="lt1"/>
+          </a:fontRef>
+        </p:style>
+      </p:sp>
+      <p:sp>
+        <p:nvSpPr>
           <p:cNvPr id="2" name="Title 1">
             <a:extLst>
               <a:ext uri="{FF2B5EF4-FFF2-40B4-BE49-F238E27FC236}">
@@ -5470,13 +6206,24 @@
             <p:ph type="title"/>
           </p:nvPr>
         </p:nvSpPr>
-        <p:spPr/>
-        <p:txBody>
-          <a:bodyPr/>
+        <p:spPr>
+          <a:xfrm>
+            <a:off x="601255" y="702155"/>
+            <a:ext cx="3409783" cy="1300365"/>
+          </a:xfrm>
+        </p:spPr>
+        <p:txBody>
+          <a:bodyPr>
+            <a:normAutofit/>
+          </a:bodyPr>
           <a:lstStyle/>
           <a:p>
             <a:r>
-              <a:rPr lang="en-US" dirty="0"/>
+              <a:rPr lang="en-US">
+                <a:solidFill>
+                  <a:srgbClr val="FFFFFF"/>
+                </a:solidFill>
+              </a:rPr>
               <a:t>Service</a:t>
             </a:r>
           </a:p>
@@ -5498,38 +6245,79 @@
             <p:ph idx="1"/>
           </p:nvPr>
         </p:nvSpPr>
-        <p:spPr/>
-        <p:txBody>
-          <a:bodyPr/>
+        <p:spPr>
+          <a:xfrm>
+            <a:off x="601255" y="2177142"/>
+            <a:ext cx="3409782" cy="3823607"/>
+          </a:xfrm>
+        </p:spPr>
+        <p:txBody>
+          <a:bodyPr>
+            <a:normAutofit/>
+          </a:bodyPr>
           <a:lstStyle/>
           <a:p>
             <a:r>
-              <a:rPr lang="en-US" dirty="0"/>
+              <a:rPr lang="en-US">
+                <a:solidFill>
+                  <a:srgbClr val="FFFFFF"/>
+                </a:solidFill>
+              </a:rPr>
               <a:t>Connects the controller to the Repository</a:t>
             </a:r>
           </a:p>
           <a:p>
             <a:r>
-              <a:rPr lang="en-US" dirty="0"/>
-              <a:t>The home of any logic that needs to be performed on a given </a:t>
-            </a:r>
-            <a:r>
-              <a:rPr lang="en-US" dirty="0" err="1"/>
-              <a:t>Api</a:t>
-            </a:r>
-            <a:r>
-              <a:rPr lang="en-US" dirty="0"/>
-              <a:t> call</a:t>
-            </a:r>
-          </a:p>
-          <a:p>
-            <a:r>
-              <a:rPr lang="en-US" dirty="0"/>
+              <a:rPr lang="en-US">
+                <a:solidFill>
+                  <a:srgbClr val="FFFFFF"/>
+                </a:solidFill>
+              </a:rPr>
+              <a:t>The home of any logic that needs to be performed on a given Api call</a:t>
+            </a:r>
+          </a:p>
+          <a:p>
+            <a:r>
+              <a:rPr lang="en-US">
+                <a:solidFill>
+                  <a:srgbClr val="FFFFFF"/>
+                </a:solidFill>
+              </a:rPr>
               <a:t>If there is not logic, the service layer acts as a pass through</a:t>
             </a:r>
           </a:p>
         </p:txBody>
       </p:sp>
+      <p:pic>
+        <p:nvPicPr>
+          <p:cNvPr id="5" name="Picture 4">
+            <a:extLst>
+              <a:ext uri="{FF2B5EF4-FFF2-40B4-BE49-F238E27FC236}">
+                <a16:creationId xmlns:a16="http://schemas.microsoft.com/office/drawing/2014/main" id="{1D3B75F2-FA9A-4503-9DF9-C8164D8E3080}"/>
+              </a:ext>
+            </a:extLst>
+          </p:cNvPr>
+          <p:cNvPicPr>
+            <a:picLocks noChangeAspect="1"/>
+          </p:cNvPicPr>
+          <p:nvPr/>
+        </p:nvPicPr>
+        <p:blipFill>
+          <a:blip r:embed="rId2"/>
+          <a:stretch>
+            <a:fillRect/>
+          </a:stretch>
+        </p:blipFill>
+        <p:spPr>
+          <a:xfrm>
+            <a:off x="4592231" y="2015972"/>
+            <a:ext cx="6831503" cy="2808642"/>
+          </a:xfrm>
+          <a:prstGeom prst="rect">
+            <a:avLst/>
+          </a:prstGeom>
+        </p:spPr>
+      </p:pic>
     </p:spTree>
     <p:extLst>
       <p:ext uri="{BB962C8B-B14F-4D97-AF65-F5344CB8AC3E}">
@@ -5538,7 +6326,7 @@
     </p:extLst>
   </p:cSld>
   <p:clrMapOvr>
-    <a:masterClrMapping/>
+    <a:overrideClrMapping bg1="dk1" tx1="lt1" bg2="dk2" tx2="lt2" accent1="accent1" accent2="accent2" accent3="accent3" accent4="accent4" accent5="accent5" accent6="accent6" hlink="hlink" folHlink="folHlink"/>
   </p:clrMapOvr>
 </p:sld>
 </file>
@@ -5546,6 +6334,14 @@
 <file path=ppt/slides/slide7.xml><?xml version="1.0" encoding="utf-8"?>
 <p:sld xmlns:a="http://schemas.openxmlformats.org/drawingml/2006/main" xmlns:r="http://schemas.openxmlformats.org/officeDocument/2006/relationships" xmlns:p="http://schemas.openxmlformats.org/presentationml/2006/main">
   <p:cSld>
+    <p:bg>
+      <p:bgPr>
+        <a:solidFill>
+          <a:schemeClr val="bg1"/>
+        </a:solidFill>
+        <a:effectLst/>
+      </p:bgPr>
+    </p:bg>
     <p:spTree>
       <p:nvGrpSpPr>
         <p:cNvPr id="1" name=""/>
@@ -5562,6 +6358,285 @@
       </p:grpSpPr>
       <p:sp>
         <p:nvSpPr>
+          <p:cNvPr id="10" name="Rectangle 9">
+            <a:extLst>
+              <a:ext uri="{FF2B5EF4-FFF2-40B4-BE49-F238E27FC236}">
+                <a16:creationId xmlns:a16="http://schemas.microsoft.com/office/drawing/2014/main" id="{E9751CB9-7B25-4EB8-9A6F-82F822549F12}"/>
+              </a:ext>
+              <a:ext uri="{C183D7F6-B498-43B3-948B-1728B52AA6E4}">
+                <adec:decorative xmlns:adec="http://schemas.microsoft.com/office/drawing/2017/decorative" val="1"/>
+              </a:ext>
+            </a:extLst>
+          </p:cNvPr>
+          <p:cNvSpPr>
+            <a:spLocks noGrp="1" noRot="1" noChangeAspect="1" noMove="1" noResize="1" noEditPoints="1" noAdjustHandles="1" noChangeArrowheads="1" noChangeShapeType="1" noTextEdit="1"/>
+          </p:cNvSpPr>
+          <p:nvPr>
+            <p:extLst>
+              <p:ext uri="{386F3935-93C4-4BCD-93E2-E3B085C9AB24}">
+                <p16:designElem xmlns:p16="http://schemas.microsoft.com/office/powerpoint/2015/main" val="1"/>
+              </p:ext>
+            </p:extLst>
+          </p:nvPr>
+        </p:nvSpPr>
+        <p:spPr>
+          <a:xfrm>
+            <a:off x="0" y="0"/>
+            <a:ext cx="12192000" cy="6858000"/>
+          </a:xfrm>
+          <a:prstGeom prst="rect">
+            <a:avLst/>
+          </a:prstGeom>
+          <a:solidFill>
+            <a:srgbClr val="FFFFFF"/>
+          </a:solidFill>
+          <a:ln>
+            <a:noFill/>
+          </a:ln>
+        </p:spPr>
+        <p:style>
+          <a:lnRef idx="2">
+            <a:schemeClr val="accent1">
+              <a:shade val="50000"/>
+            </a:schemeClr>
+          </a:lnRef>
+          <a:fillRef idx="1">
+            <a:schemeClr val="accent1"/>
+          </a:fillRef>
+          <a:effectRef idx="0">
+            <a:schemeClr val="accent1"/>
+          </a:effectRef>
+          <a:fontRef idx="minor">
+            <a:schemeClr val="lt1"/>
+          </a:fontRef>
+        </p:style>
+        <p:txBody>
+          <a:bodyPr rtlCol="0" anchor="ctr"/>
+          <a:lstStyle/>
+          <a:p>
+            <a:pPr algn="ctr"/>
+            <a:endParaRPr lang="en-US"/>
+          </a:p>
+        </p:txBody>
+      </p:sp>
+      <p:sp>
+        <p:nvSpPr>
+          <p:cNvPr id="12" name="Rectangle 11">
+            <a:extLst>
+              <a:ext uri="{FF2B5EF4-FFF2-40B4-BE49-F238E27FC236}">
+                <a16:creationId xmlns:a16="http://schemas.microsoft.com/office/drawing/2014/main" id="{E1317383-CF3B-4B02-9512-BECBEF6362A4}"/>
+              </a:ext>
+              <a:ext uri="{C183D7F6-B498-43B3-948B-1728B52AA6E4}">
+                <adec:decorative xmlns:adec="http://schemas.microsoft.com/office/drawing/2017/decorative" val="1"/>
+              </a:ext>
+            </a:extLst>
+          </p:cNvPr>
+          <p:cNvSpPr>
+            <a:spLocks noGrp="1" noRot="1" noChangeAspect="1" noMove="1" noResize="1" noEditPoints="1" noAdjustHandles="1" noChangeArrowheads="1" noChangeShapeType="1" noTextEdit="1"/>
+          </p:cNvSpPr>
+          <p:nvPr>
+            <p:extLst>
+              <p:ext uri="{386F3935-93C4-4BCD-93E2-E3B085C9AB24}">
+                <p16:designElem xmlns:p16="http://schemas.microsoft.com/office/powerpoint/2015/main" val="1"/>
+              </p:ext>
+            </p:extLst>
+          </p:nvPr>
+        </p:nvSpPr>
+        <p:spPr>
+          <a:xfrm>
+            <a:off x="446534" y="457200"/>
+            <a:ext cx="3703320" cy="94997"/>
+          </a:xfrm>
+          <a:prstGeom prst="rect">
+            <a:avLst/>
+          </a:prstGeom>
+          <a:solidFill>
+            <a:srgbClr val="465359"/>
+          </a:solidFill>
+          <a:ln>
+            <a:noFill/>
+          </a:ln>
+          <a:effectLst/>
+        </p:spPr>
+        <p:style>
+          <a:lnRef idx="1">
+            <a:schemeClr val="accent1"/>
+          </a:lnRef>
+          <a:fillRef idx="3">
+            <a:schemeClr val="accent1"/>
+          </a:fillRef>
+          <a:effectRef idx="2">
+            <a:schemeClr val="accent1"/>
+          </a:effectRef>
+          <a:fontRef idx="minor">
+            <a:schemeClr val="lt1"/>
+          </a:fontRef>
+        </p:style>
+      </p:sp>
+      <p:sp>
+        <p:nvSpPr>
+          <p:cNvPr id="14" name="Rectangle 13">
+            <a:extLst>
+              <a:ext uri="{FF2B5EF4-FFF2-40B4-BE49-F238E27FC236}">
+                <a16:creationId xmlns:a16="http://schemas.microsoft.com/office/drawing/2014/main" id="{B1D4C7A0-6DF2-4F2D-A45D-F111582974C7}"/>
+              </a:ext>
+              <a:ext uri="{C183D7F6-B498-43B3-948B-1728B52AA6E4}">
+                <adec:decorative xmlns:adec="http://schemas.microsoft.com/office/drawing/2017/decorative" val="1"/>
+              </a:ext>
+            </a:extLst>
+          </p:cNvPr>
+          <p:cNvSpPr>
+            <a:spLocks noGrp="1" noRot="1" noChangeAspect="1" noMove="1" noResize="1" noEditPoints="1" noAdjustHandles="1" noChangeArrowheads="1" noChangeShapeType="1" noTextEdit="1"/>
+          </p:cNvSpPr>
+          <p:nvPr>
+            <p:extLst>
+              <p:ext uri="{386F3935-93C4-4BCD-93E2-E3B085C9AB24}">
+                <p16:designElem xmlns:p16="http://schemas.microsoft.com/office/powerpoint/2015/main" val="1"/>
+              </p:ext>
+            </p:extLst>
+          </p:nvPr>
+        </p:nvSpPr>
+        <p:spPr>
+          <a:xfrm>
+            <a:off x="4241830" y="457200"/>
+            <a:ext cx="3703320" cy="91440"/>
+          </a:xfrm>
+          <a:prstGeom prst="rect">
+            <a:avLst/>
+          </a:prstGeom>
+          <a:solidFill>
+            <a:schemeClr val="accent1"/>
+          </a:solidFill>
+          <a:ln>
+            <a:noFill/>
+          </a:ln>
+          <a:effectLst/>
+        </p:spPr>
+        <p:style>
+          <a:lnRef idx="1">
+            <a:schemeClr val="accent1"/>
+          </a:lnRef>
+          <a:fillRef idx="3">
+            <a:schemeClr val="accent1"/>
+          </a:fillRef>
+          <a:effectRef idx="2">
+            <a:schemeClr val="accent1"/>
+          </a:effectRef>
+          <a:fontRef idx="minor">
+            <a:schemeClr val="lt1"/>
+          </a:fontRef>
+        </p:style>
+      </p:sp>
+      <p:sp>
+        <p:nvSpPr>
+          <p:cNvPr id="16" name="Rectangle 15">
+            <a:extLst>
+              <a:ext uri="{FF2B5EF4-FFF2-40B4-BE49-F238E27FC236}">
+                <a16:creationId xmlns:a16="http://schemas.microsoft.com/office/drawing/2014/main" id="{DBF3943D-BCB6-4B31-809D-A005686483B4}"/>
+              </a:ext>
+              <a:ext uri="{C183D7F6-B498-43B3-948B-1728B52AA6E4}">
+                <adec:decorative xmlns:adec="http://schemas.microsoft.com/office/drawing/2017/decorative" val="1"/>
+              </a:ext>
+            </a:extLst>
+          </p:cNvPr>
+          <p:cNvSpPr>
+            <a:spLocks noGrp="1" noRot="1" noChangeAspect="1" noMove="1" noResize="1" noEditPoints="1" noAdjustHandles="1" noChangeArrowheads="1" noChangeShapeType="1" noTextEdit="1"/>
+          </p:cNvSpPr>
+          <p:nvPr>
+            <p:extLst>
+              <p:ext uri="{386F3935-93C4-4BCD-93E2-E3B085C9AB24}">
+                <p16:designElem xmlns:p16="http://schemas.microsoft.com/office/powerpoint/2015/main" val="1"/>
+              </p:ext>
+            </p:extLst>
+          </p:nvPr>
+        </p:nvSpPr>
+        <p:spPr>
+          <a:xfrm>
+            <a:off x="8042147" y="453643"/>
+            <a:ext cx="3703320" cy="98554"/>
+          </a:xfrm>
+          <a:prstGeom prst="rect">
+            <a:avLst/>
+          </a:prstGeom>
+          <a:solidFill>
+            <a:srgbClr val="969FA7"/>
+          </a:solidFill>
+          <a:ln>
+            <a:noFill/>
+          </a:ln>
+          <a:effectLst/>
+        </p:spPr>
+        <p:style>
+          <a:lnRef idx="1">
+            <a:schemeClr val="accent1"/>
+          </a:lnRef>
+          <a:fillRef idx="3">
+            <a:schemeClr val="accent1"/>
+          </a:fillRef>
+          <a:effectRef idx="2">
+            <a:schemeClr val="accent1"/>
+          </a:effectRef>
+          <a:fontRef idx="minor">
+            <a:schemeClr val="lt1"/>
+          </a:fontRef>
+        </p:style>
+      </p:sp>
+      <p:sp>
+        <p:nvSpPr>
+          <p:cNvPr id="18" name="Rectangle 17">
+            <a:extLst>
+              <a:ext uri="{FF2B5EF4-FFF2-40B4-BE49-F238E27FC236}">
+                <a16:creationId xmlns:a16="http://schemas.microsoft.com/office/drawing/2014/main" id="{39373A6F-2E1F-4613-8E1D-D68057D29F31}"/>
+              </a:ext>
+              <a:ext uri="{C183D7F6-B498-43B3-948B-1728B52AA6E4}">
+                <adec:decorative xmlns:adec="http://schemas.microsoft.com/office/drawing/2017/decorative" val="1"/>
+              </a:ext>
+            </a:extLst>
+          </p:cNvPr>
+          <p:cNvSpPr>
+            <a:spLocks noGrp="1" noRot="1" noChangeAspect="1" noMove="1" noResize="1" noEditPoints="1" noAdjustHandles="1" noChangeArrowheads="1" noChangeShapeType="1" noTextEdit="1"/>
+          </p:cNvSpPr>
+          <p:nvPr>
+            <p:extLst>
+              <p:ext uri="{386F3935-93C4-4BCD-93E2-E3B085C9AB24}">
+                <p16:designElem xmlns:p16="http://schemas.microsoft.com/office/powerpoint/2015/main" val="1"/>
+              </p:ext>
+            </p:extLst>
+          </p:nvPr>
+        </p:nvSpPr>
+        <p:spPr>
+          <a:xfrm>
+            <a:off x="442377" y="601200"/>
+            <a:ext cx="3707477" cy="5624979"/>
+          </a:xfrm>
+          <a:prstGeom prst="rect">
+            <a:avLst/>
+          </a:prstGeom>
+          <a:solidFill>
+            <a:srgbClr val="465359"/>
+          </a:solidFill>
+          <a:ln>
+            <a:noFill/>
+          </a:ln>
+          <a:effectLst/>
+        </p:spPr>
+        <p:style>
+          <a:lnRef idx="1">
+            <a:schemeClr val="accent1"/>
+          </a:lnRef>
+          <a:fillRef idx="3">
+            <a:schemeClr val="accent1"/>
+          </a:fillRef>
+          <a:effectRef idx="2">
+            <a:schemeClr val="accent1"/>
+          </a:effectRef>
+          <a:fontRef idx="minor">
+            <a:schemeClr val="lt1"/>
+          </a:fontRef>
+        </p:style>
+      </p:sp>
+      <p:sp>
+        <p:nvSpPr>
           <p:cNvPr id="2" name="Title 1">
             <a:extLst>
               <a:ext uri="{FF2B5EF4-FFF2-40B4-BE49-F238E27FC236}">
@@ -5576,13 +6651,24 @@
             <p:ph type="title"/>
           </p:nvPr>
         </p:nvSpPr>
-        <p:spPr/>
-        <p:txBody>
-          <a:bodyPr/>
+        <p:spPr>
+          <a:xfrm>
+            <a:off x="601255" y="702155"/>
+            <a:ext cx="3409783" cy="1300365"/>
+          </a:xfrm>
+        </p:spPr>
+        <p:txBody>
+          <a:bodyPr>
+            <a:normAutofit/>
+          </a:bodyPr>
           <a:lstStyle/>
           <a:p>
             <a:r>
-              <a:rPr lang="en-US" dirty="0"/>
+              <a:rPr lang="en-US">
+                <a:solidFill>
+                  <a:srgbClr val="FFFFFF"/>
+                </a:solidFill>
+              </a:rPr>
               <a:t>Repository</a:t>
             </a:r>
           </a:p>
@@ -5604,45 +6690,106 @@
             <p:ph idx="1"/>
           </p:nvPr>
         </p:nvSpPr>
-        <p:spPr/>
-        <p:txBody>
-          <a:bodyPr/>
+        <p:spPr>
+          <a:xfrm>
+            <a:off x="601255" y="2177142"/>
+            <a:ext cx="3409782" cy="3823607"/>
+          </a:xfrm>
+        </p:spPr>
+        <p:txBody>
+          <a:bodyPr>
+            <a:normAutofit/>
+          </a:bodyPr>
           <a:lstStyle/>
           <a:p>
             <a:r>
-              <a:rPr lang="en-US" dirty="0"/>
+              <a:rPr lang="en-US">
+                <a:solidFill>
+                  <a:srgbClr val="FFFFFF"/>
+                </a:solidFill>
+              </a:rPr>
               <a:t>Creates database connection</a:t>
             </a:r>
           </a:p>
           <a:p>
             <a:r>
-              <a:rPr lang="en-US" dirty="0"/>
+              <a:rPr lang="en-US">
+                <a:solidFill>
+                  <a:srgbClr val="FFFFFF"/>
+                </a:solidFill>
+              </a:rPr>
               <a:t>The connection point for getting and saving data to the database</a:t>
             </a:r>
           </a:p>
           <a:p>
             <a:r>
-              <a:rPr lang="en-US" dirty="0"/>
+              <a:rPr lang="en-US">
+                <a:solidFill>
+                  <a:srgbClr val="FFFFFF"/>
+                </a:solidFill>
+              </a:rPr>
               <a:t>Typically called by the service</a:t>
             </a:r>
           </a:p>
           <a:p>
             <a:r>
-              <a:rPr lang="en-US" dirty="0"/>
+              <a:rPr lang="en-US">
+                <a:solidFill>
+                  <a:srgbClr val="FFFFFF"/>
+                </a:solidFill>
+              </a:rPr>
               <a:t>Calls a mapper to map the definition model to the domain model</a:t>
             </a:r>
           </a:p>
           <a:p>
             <a:r>
-              <a:rPr lang="en-US" dirty="0"/>
+              <a:rPr lang="en-US">
+                <a:solidFill>
+                  <a:srgbClr val="FFFFFF"/>
+                </a:solidFill>
+              </a:rPr>
               <a:t>Returns the domain model</a:t>
             </a:r>
           </a:p>
           <a:p>
-            <a:endParaRPr lang="en-US" dirty="0"/>
-          </a:p>
-        </p:txBody>
-      </p:sp>
+            <a:endParaRPr lang="en-US">
+              <a:solidFill>
+                <a:srgbClr val="FFFFFF"/>
+              </a:solidFill>
+            </a:endParaRPr>
+          </a:p>
+        </p:txBody>
+      </p:sp>
+      <p:pic>
+        <p:nvPicPr>
+          <p:cNvPr id="5" name="Picture 4">
+            <a:extLst>
+              <a:ext uri="{FF2B5EF4-FFF2-40B4-BE49-F238E27FC236}">
+                <a16:creationId xmlns:a16="http://schemas.microsoft.com/office/drawing/2014/main" id="{5788182F-0892-46CB-A77B-DDF6D9406E48}"/>
+              </a:ext>
+            </a:extLst>
+          </p:cNvPr>
+          <p:cNvPicPr>
+            <a:picLocks noChangeAspect="1"/>
+          </p:cNvPicPr>
+          <p:nvPr/>
+        </p:nvPicPr>
+        <p:blipFill>
+          <a:blip r:embed="rId2"/>
+          <a:stretch>
+            <a:fillRect/>
+          </a:stretch>
+        </p:blipFill>
+        <p:spPr>
+          <a:xfrm>
+            <a:off x="4771301" y="936141"/>
+            <a:ext cx="6473362" cy="4968305"/>
+          </a:xfrm>
+          <a:prstGeom prst="rect">
+            <a:avLst/>
+          </a:prstGeom>
+        </p:spPr>
+      </p:pic>
     </p:spTree>
     <p:extLst>
       <p:ext uri="{BB962C8B-B14F-4D97-AF65-F5344CB8AC3E}">
@@ -5651,7 +6798,7 @@
     </p:extLst>
   </p:cSld>
   <p:clrMapOvr>
-    <a:masterClrMapping/>
+    <a:overrideClrMapping bg1="dk1" tx1="lt1" bg2="dk2" tx2="lt2" accent1="accent1" accent2="accent2" accent3="accent3" accent4="accent4" accent5="accent5" accent6="accent6" hlink="hlink" folHlink="folHlink"/>
   </p:clrMapOvr>
 </p:sld>
 </file>
@@ -6122,6 +7269,36 @@
           </a:p>
         </p:txBody>
       </p:sp>
+      <p:pic>
+        <p:nvPicPr>
+          <p:cNvPr id="7" name="Picture 6">
+            <a:extLst>
+              <a:ext uri="{FF2B5EF4-FFF2-40B4-BE49-F238E27FC236}">
+                <a16:creationId xmlns:a16="http://schemas.microsoft.com/office/drawing/2014/main" id="{EA5F743F-B879-4F8B-A394-5AFEE236C0B5}"/>
+              </a:ext>
+            </a:extLst>
+          </p:cNvPr>
+          <p:cNvPicPr>
+            <a:picLocks noChangeAspect="1"/>
+          </p:cNvPicPr>
+          <p:nvPr/>
+        </p:nvPicPr>
+        <p:blipFill>
+          <a:blip r:embed="rId2"/>
+          <a:stretch>
+            <a:fillRect/>
+          </a:stretch>
+        </p:blipFill>
+        <p:spPr>
+          <a:xfrm>
+            <a:off x="4988955" y="631846"/>
+            <a:ext cx="7011378" cy="2295845"/>
+          </a:xfrm>
+          <a:prstGeom prst="rect">
+            <a:avLst/>
+          </a:prstGeom>
+        </p:spPr>
+      </p:pic>
     </p:spTree>
     <p:extLst>
       <p:ext uri="{BB962C8B-B14F-4D97-AF65-F5344CB8AC3E}">
@@ -6414,15 +7591,6 @@
 </file>
 
 <file path=customXml/item2.xml><?xml version="1.0" encoding="utf-8"?>
-<?mso-contentType ?>
-<FormTemplates xmlns="http://schemas.microsoft.com/sharepoint/v3/contenttype/forms">
-  <Display>DocumentLibraryForm</Display>
-  <Edit>DocumentLibraryForm</Edit>
-  <New>DocumentLibraryForm</New>
-</FormTemplates>
-</file>
-
-<file path=customXml/item3.xml><?xml version="1.0" encoding="utf-8"?>
 <ct:contentTypeSchema xmlns:ct="http://schemas.microsoft.com/office/2006/metadata/contentType" xmlns:ma="http://schemas.microsoft.com/office/2006/metadata/properties/metaAttributes" ct:_="" ma:_="" ma:contentTypeName="Document" ma:contentTypeID="0x01010079F111ED35F8CC479449609E8A0923A6" ma:contentTypeVersion="12" ma:contentTypeDescription="Create a new document." ma:contentTypeScope="" ma:versionID="a410dd7f93c95333ffa1b60ed6adedd1">
   <xsd:schema xmlns:xsd="http://www.w3.org/2001/XMLSchema" xmlns:xs="http://www.w3.org/2001/XMLSchema" xmlns:p="http://schemas.microsoft.com/office/2006/metadata/properties" xmlns:ns2="71af3243-3dd4-4a8d-8c0d-dd76da1f02a5" xmlns:ns3="16c05727-aa75-4e4a-9b5f-8a80a1165891" targetNamespace="http://schemas.microsoft.com/office/2006/metadata/properties" ma:root="true" ma:fieldsID="a936d9baba76aa3866493feff160faab" ns2:_="" ns3:_="">
     <xsd:import namespace="71af3243-3dd4-4a8d-8c0d-dd76da1f02a5"/>
@@ -6643,6 +7811,15 @@
 </ct:contentTypeSchema>
 </file>
 
+<file path=customXml/item3.xml><?xml version="1.0" encoding="utf-8"?>
+<?mso-contentType ?>
+<FormTemplates xmlns="http://schemas.microsoft.com/sharepoint/v3/contenttype/forms">
+  <Display>DocumentLibraryForm</Display>
+  <Edit>DocumentLibraryForm</Edit>
+  <New>DocumentLibraryForm</New>
+</FormTemplates>
+</file>
+
 <file path=customXml/itemProps1.xml><?xml version="1.0" encoding="utf-8"?>
 <ds:datastoreItem xmlns:ds="http://schemas.openxmlformats.org/officeDocument/2006/customXml" ds:itemID="{8D289AE2-D2AE-49D1-AFAC-3A79F6794255}">
   <ds:schemaRefs>
@@ -6654,14 +7831,6 @@
 </file>
 
 <file path=customXml/itemProps2.xml><?xml version="1.0" encoding="utf-8"?>
-<ds:datastoreItem xmlns:ds="http://schemas.openxmlformats.org/officeDocument/2006/customXml" ds:itemID="{927BD4C1-B6B1-4715-ABF9-E660A51A4EA0}">
-  <ds:schemaRefs>
-    <ds:schemaRef ds:uri="http://schemas.microsoft.com/sharepoint/v3/contenttype/forms"/>
-  </ds:schemaRefs>
-</ds:datastoreItem>
-</file>
-
-<file path=customXml/itemProps3.xml><?xml version="1.0" encoding="utf-8"?>
 <ds:datastoreItem xmlns:ds="http://schemas.openxmlformats.org/officeDocument/2006/customXml" ds:itemID="{41E7CA09-9778-4414-AE97-8064B12DA30E}">
   <ds:schemaRefs>
     <ds:schemaRef ds:uri="http://schemas.microsoft.com/office/2006/metadata/contentType"/>
@@ -6678,4 +7847,12 @@
     <ds:schemaRef ds:uri="http://schemas.microsoft.com/internal/obd"/>
   </ds:schemaRefs>
 </ds:datastoreItem>
+</file>
+
+<file path=customXml/itemProps3.xml><?xml version="1.0" encoding="utf-8"?>
+<ds:datastoreItem xmlns:ds="http://schemas.openxmlformats.org/officeDocument/2006/customXml" ds:itemID="{927BD4C1-B6B1-4715-ABF9-E660A51A4EA0}">
+  <ds:schemaRefs>
+    <ds:schemaRef ds:uri="http://schemas.microsoft.com/sharepoint/v3/contenttype/forms"/>
+  </ds:schemaRefs>
+</ds:datastoreItem>
 </file>